--- a/structure.pptx
+++ b/structure.pptx
@@ -107,6 +107,11 @@
       </a:defRPr>
     </a:lvl9pPr>
   </p:defaultTextStyle>
+  <p:extLst>
+    <p:ext uri="{EFAFB233-063F-42B5-8137-9DF3F51BA10A}">
+      <p15:sldGuideLst xmlns:p15="http://schemas.microsoft.com/office/powerpoint/2012/main"/>
+    </p:ext>
+  </p:extLst>
 </p:presentation>
 </file>
 
@@ -259,7 +264,7 @@
           <a:p>
             <a:fld id="{91194B97-EF5F-4CA8-A19C-32FB1097B9D6}" type="datetimeFigureOut">
               <a:rPr lang="fr-FR" smtClean="0"/>
-              <a:t>27/11/2024</a:t>
+              <a:t>28/11/2024</a:t>
             </a:fld>
             <a:endParaRPr lang="fr-FR"/>
           </a:p>
@@ -459,7 +464,7 @@
           <a:p>
             <a:fld id="{91194B97-EF5F-4CA8-A19C-32FB1097B9D6}" type="datetimeFigureOut">
               <a:rPr lang="fr-FR" smtClean="0"/>
-              <a:t>27/11/2024</a:t>
+              <a:t>28/11/2024</a:t>
             </a:fld>
             <a:endParaRPr lang="fr-FR"/>
           </a:p>
@@ -669,7 +674,7 @@
           <a:p>
             <a:fld id="{91194B97-EF5F-4CA8-A19C-32FB1097B9D6}" type="datetimeFigureOut">
               <a:rPr lang="fr-FR" smtClean="0"/>
-              <a:t>27/11/2024</a:t>
+              <a:t>28/11/2024</a:t>
             </a:fld>
             <a:endParaRPr lang="fr-FR"/>
           </a:p>
@@ -869,7 +874,7 @@
           <a:p>
             <a:fld id="{91194B97-EF5F-4CA8-A19C-32FB1097B9D6}" type="datetimeFigureOut">
               <a:rPr lang="fr-FR" smtClean="0"/>
-              <a:t>27/11/2024</a:t>
+              <a:t>28/11/2024</a:t>
             </a:fld>
             <a:endParaRPr lang="fr-FR"/>
           </a:p>
@@ -1145,7 +1150,7 @@
           <a:p>
             <a:fld id="{91194B97-EF5F-4CA8-A19C-32FB1097B9D6}" type="datetimeFigureOut">
               <a:rPr lang="fr-FR" smtClean="0"/>
-              <a:t>27/11/2024</a:t>
+              <a:t>28/11/2024</a:t>
             </a:fld>
             <a:endParaRPr lang="fr-FR"/>
           </a:p>
@@ -1413,7 +1418,7 @@
           <a:p>
             <a:fld id="{91194B97-EF5F-4CA8-A19C-32FB1097B9D6}" type="datetimeFigureOut">
               <a:rPr lang="fr-FR" smtClean="0"/>
-              <a:t>27/11/2024</a:t>
+              <a:t>28/11/2024</a:t>
             </a:fld>
             <a:endParaRPr lang="fr-FR"/>
           </a:p>
@@ -1828,7 +1833,7 @@
           <a:p>
             <a:fld id="{91194B97-EF5F-4CA8-A19C-32FB1097B9D6}" type="datetimeFigureOut">
               <a:rPr lang="fr-FR" smtClean="0"/>
-              <a:t>27/11/2024</a:t>
+              <a:t>28/11/2024</a:t>
             </a:fld>
             <a:endParaRPr lang="fr-FR"/>
           </a:p>
@@ -1970,7 +1975,7 @@
           <a:p>
             <a:fld id="{91194B97-EF5F-4CA8-A19C-32FB1097B9D6}" type="datetimeFigureOut">
               <a:rPr lang="fr-FR" smtClean="0"/>
-              <a:t>27/11/2024</a:t>
+              <a:t>28/11/2024</a:t>
             </a:fld>
             <a:endParaRPr lang="fr-FR"/>
           </a:p>
@@ -2083,7 +2088,7 @@
           <a:p>
             <a:fld id="{91194B97-EF5F-4CA8-A19C-32FB1097B9D6}" type="datetimeFigureOut">
               <a:rPr lang="fr-FR" smtClean="0"/>
-              <a:t>27/11/2024</a:t>
+              <a:t>28/11/2024</a:t>
             </a:fld>
             <a:endParaRPr lang="fr-FR"/>
           </a:p>
@@ -2396,7 +2401,7 @@
           <a:p>
             <a:fld id="{91194B97-EF5F-4CA8-A19C-32FB1097B9D6}" type="datetimeFigureOut">
               <a:rPr lang="fr-FR" smtClean="0"/>
-              <a:t>27/11/2024</a:t>
+              <a:t>28/11/2024</a:t>
             </a:fld>
             <a:endParaRPr lang="fr-FR"/>
           </a:p>
@@ -2685,7 +2690,7 @@
           <a:p>
             <a:fld id="{91194B97-EF5F-4CA8-A19C-32FB1097B9D6}" type="datetimeFigureOut">
               <a:rPr lang="fr-FR" smtClean="0"/>
-              <a:t>27/11/2024</a:t>
+              <a:t>28/11/2024</a:t>
             </a:fld>
             <a:endParaRPr lang="fr-FR"/>
           </a:p>
@@ -2928,7 +2933,7 @@
           <a:p>
             <a:fld id="{91194B97-EF5F-4CA8-A19C-32FB1097B9D6}" type="datetimeFigureOut">
               <a:rPr lang="fr-FR" smtClean="0"/>
-              <a:t>27/11/2024</a:t>
+              <a:t>28/11/2024</a:t>
             </a:fld>
             <a:endParaRPr lang="fr-FR"/>
           </a:p>
@@ -4518,7 +4523,7 @@
             <p:ph idx="1"/>
             <p:extLst>
               <p:ext uri="{D42A27DB-BD31-4B8C-83A1-F6EECF244321}">
-                <p14:modId xmlns:p14="http://schemas.microsoft.com/office/powerpoint/2010/main" val="3893793130"/>
+                <p14:modId xmlns:p14="http://schemas.microsoft.com/office/powerpoint/2010/main" val="3760910492"/>
               </p:ext>
             </p:extLst>
           </p:nvPr>
@@ -4661,7 +4666,7 @@
                       <a:pPr algn="ctr"/>
                       <a:r>
                         <a:rPr lang="fr-MA" sz="1600" dirty="0"/>
-                        <a:t>Id</a:t>
+                        <a:t>{Id}</a:t>
                       </a:r>
                       <a:endParaRPr lang="fr-FR" sz="1600" dirty="0"/>
                     </a:p>
@@ -4988,8 +4993,8 @@
                     <a:p>
                       <a:pPr algn="ctr"/>
                       <a:r>
-                        <a:rPr lang="fr-MA" sz="1600" dirty="0"/>
-                        <a:t>Composant</a:t>
+                        <a:rPr lang="fr-MA" sz="1600" dirty="0" err="1"/>
+                        <a:t>Ingredients</a:t>
                       </a:r>
                       <a:endParaRPr lang="fr-FR" sz="1600" dirty="0"/>
                     </a:p>
@@ -5004,7 +5009,7 @@
                       <a:pPr algn="ctr"/>
                       <a:r>
                         <a:rPr lang="fr-MA" sz="1600" dirty="0"/>
-                        <a:t>Composants</a:t>
+                        <a:t>Ingrédients</a:t>
                       </a:r>
                       <a:endParaRPr lang="fr-FR" sz="1600" dirty="0"/>
                     </a:p>
